--- a/results/figures/pptx/treatment_choice_involvement.pptx
+++ b/results/figures/pptx/treatment_choice_involvement.pptx
@@ -2271,7 +2271,7 @@
           </p:nvSpPr>
           <p:spPr>
             <a:xfrm>
-              <a:off x="1006499" y="5026152"/>
+              <a:off x="1006499" y="5091225"/>
               <a:ext cx="7591732" cy="0"/>
             </a:xfrm>
             <a:custGeom>
@@ -2314,7 +2314,7 @@
           </p:nvSpPr>
           <p:spPr>
             <a:xfrm>
-              <a:off x="1006499" y="4373234"/>
+              <a:off x="1006499" y="4422385"/>
               <a:ext cx="7591732" cy="0"/>
             </a:xfrm>
             <a:custGeom>
@@ -2357,7 +2357,7 @@
           </p:nvSpPr>
           <p:spPr>
             <a:xfrm>
-              <a:off x="1006499" y="3720316"/>
+              <a:off x="1006499" y="3753545"/>
               <a:ext cx="7591732" cy="0"/>
             </a:xfrm>
             <a:custGeom>
@@ -2400,7 +2400,7 @@
           </p:nvSpPr>
           <p:spPr>
             <a:xfrm>
-              <a:off x="1006499" y="3067398"/>
+              <a:off x="1006499" y="3084705"/>
               <a:ext cx="7591732" cy="0"/>
             </a:xfrm>
             <a:custGeom>
@@ -2443,7 +2443,7 @@
           </p:nvSpPr>
           <p:spPr>
             <a:xfrm>
-              <a:off x="1006499" y="2414480"/>
+              <a:off x="1006499" y="2415865"/>
               <a:ext cx="7591732" cy="0"/>
             </a:xfrm>
             <a:custGeom>
@@ -2486,7 +2486,7 @@
           </p:nvSpPr>
           <p:spPr>
             <a:xfrm>
-              <a:off x="1006499" y="1761562"/>
+              <a:off x="1006499" y="1747025"/>
               <a:ext cx="7591732" cy="0"/>
             </a:xfrm>
             <a:custGeom>
@@ -2529,14 +2529,14 @@
           </p:nvSpPr>
           <p:spPr>
             <a:xfrm>
-              <a:off x="6088062" y="3270028"/>
-              <a:ext cx="1102025" cy="1756124"/>
+              <a:off x="1164660" y="4907981"/>
+              <a:ext cx="948966" cy="183243"/>
             </a:xfrm>
             <a:prstGeom prst="rect">
               <a:avLst/>
             </a:prstGeom>
             <a:solidFill>
-              <a:srgbClr val="AD2C97">
+              <a:srgbClr val="B0BEC5">
                 <a:alpha val="100000"/>
               </a:srgbClr>
             </a:solidFill>
@@ -2555,8 +2555,34 @@
           </p:nvSpPr>
           <p:spPr>
             <a:xfrm>
-              <a:off x="7312535" y="2144307"/>
-              <a:ext cx="1102025" cy="2881845"/>
+              <a:off x="2219067" y="5045414"/>
+              <a:ext cx="948966" cy="45810"/>
+            </a:xfrm>
+            <a:prstGeom prst="rect">
+              <a:avLst/>
+            </a:prstGeom>
+            <a:solidFill>
+              <a:srgbClr val="B0BEC5">
+                <a:alpha val="100000"/>
+              </a:srgbClr>
+            </a:solidFill>
+          </p:spPr>
+          <p:txBody>
+            <a:bodyPr/>
+            <a:lstStyle/>
+            <a:p/>
+          </p:txBody>
+        </p:sp>
+        <p:sp>
+          <p:nvSpPr>
+            <p:cNvPr id="12" name="rc12"/>
+            <p:cNvSpPr/>
+            <p:nvPr/>
+          </p:nvSpPr>
+          <p:spPr>
+            <a:xfrm>
+              <a:off x="3273475" y="3304597"/>
+              <a:ext cx="948966" cy="1786627"/>
             </a:xfrm>
             <a:prstGeom prst="rect">
               <a:avLst/>
@@ -2575,20 +2601,20 @@
         </p:sp>
         <p:sp>
           <p:nvSpPr>
-            <p:cNvPr id="12" name="rc12"/>
+            <p:cNvPr id="13" name="rc13"/>
             <p:cNvSpPr/>
             <p:nvPr/>
           </p:nvSpPr>
           <p:spPr>
             <a:xfrm>
-              <a:off x="4863589" y="3810374"/>
-              <a:ext cx="1102025" cy="1215778"/>
+              <a:off x="4327882" y="2159324"/>
+              <a:ext cx="948966" cy="2931901"/>
             </a:xfrm>
             <a:prstGeom prst="rect">
               <a:avLst/>
             </a:prstGeom>
             <a:solidFill>
-              <a:srgbClr val="D7834A">
+              <a:srgbClr val="FF9800">
                 <a:alpha val="100000"/>
               </a:srgbClr>
             </a:solidFill>
@@ -2601,20 +2627,20 @@
         </p:sp>
         <p:sp>
           <p:nvSpPr>
-            <p:cNvPr id="13" name="rc13"/>
+            <p:cNvPr id="14" name="rc14"/>
             <p:cNvSpPr/>
             <p:nvPr/>
           </p:nvSpPr>
           <p:spPr>
             <a:xfrm>
-              <a:off x="2414643" y="4575864"/>
-              <a:ext cx="1102025" cy="450288"/>
+              <a:off x="5382289" y="3854329"/>
+              <a:ext cx="948966" cy="1236895"/>
             </a:xfrm>
             <a:prstGeom prst="rect">
               <a:avLst/>
             </a:prstGeom>
             <a:solidFill>
-              <a:srgbClr val="43AA70">
+              <a:srgbClr val="FFC107">
                 <a:alpha val="100000"/>
               </a:srgbClr>
             </a:solidFill>
@@ -2627,20 +2653,20 @@
         </p:sp>
         <p:sp>
           <p:nvSpPr>
-            <p:cNvPr id="14" name="rc14"/>
+            <p:cNvPr id="15" name="rc15"/>
             <p:cNvSpPr/>
             <p:nvPr/>
           </p:nvSpPr>
           <p:spPr>
             <a:xfrm>
-              <a:off x="3639116" y="4981123"/>
-              <a:ext cx="1102025" cy="45028"/>
+              <a:off x="6436697" y="4633115"/>
+              <a:ext cx="948966" cy="458109"/>
             </a:xfrm>
             <a:prstGeom prst="rect">
               <a:avLst/>
             </a:prstGeom>
             <a:solidFill>
-              <a:srgbClr val="B7B924">
+              <a:srgbClr val="8BC34A">
                 <a:alpha val="100000"/>
               </a:srgbClr>
             </a:solidFill>
@@ -2653,14 +2679,14 @@
         </p:sp>
         <p:sp>
           <p:nvSpPr>
-            <p:cNvPr id="15" name="rc15"/>
+            <p:cNvPr id="16" name="rc16"/>
             <p:cNvSpPr/>
             <p:nvPr/>
           </p:nvSpPr>
           <p:spPr>
             <a:xfrm>
-              <a:off x="1190170" y="4846037"/>
-              <a:ext cx="1102025" cy="180115"/>
+              <a:off x="7491104" y="5045414"/>
+              <a:ext cx="948966" cy="45810"/>
             </a:xfrm>
             <a:prstGeom prst="rect">
               <a:avLst/>
@@ -2679,13 +2705,197 @@
         </p:sp>
         <p:sp>
           <p:nvSpPr>
-            <p:cNvPr id="16" name="tx16"/>
+            <p:cNvPr id="17" name="tx17"/>
             <p:cNvSpPr/>
             <p:nvPr/>
           </p:nvSpPr>
           <p:spPr>
             <a:xfrm>
-              <a:off x="6538592" y="2682950"/>
+              <a:off x="1588902" y="4323727"/>
+              <a:ext cx="100482" cy="129330"/>
+            </a:xfrm>
+            <a:prstGeom prst="rect">
+              <a:avLst/>
+            </a:prstGeom>
+            <a:noFill/>
+          </p:spPr>
+          <p:txBody>
+            <a:bodyPr lIns="0" rIns="0" tIns="0" bIns="0" anchorCtr="1" anchor="ctr" wrap="none"/>
+            <a:lstStyle/>
+            <a:p>
+              <a:pPr algn="l" marL="0" marR="0" indent="0">
+                <a:lnSpc>
+                  <a:spcPts val="1422"/>
+                </a:lnSpc>
+                <a:spcBef>
+                  <a:spcPts val="0"/>
+                </a:spcBef>
+                <a:spcAft>
+                  <a:spcPts val="0"/>
+                </a:spcAft>
+              </a:pPr>
+              <a:r>
+                <a:rPr sz="1422">
+                  <a:solidFill>
+                    <a:srgbClr val="000000">
+                      <a:alpha val="100000"/>
+                    </a:srgbClr>
+                  </a:solidFill>
+                  <a:latin typeface="Arial"/>
+                  <a:cs typeface="Arial"/>
+                </a:rPr>
+                <a:t>4</a:t>
+              </a:r>
+            </a:p>
+          </p:txBody>
+        </p:sp>
+        <p:sp>
+          <p:nvSpPr>
+            <p:cNvPr id="18" name="tx18"/>
+            <p:cNvSpPr/>
+            <p:nvPr/>
+          </p:nvSpPr>
+          <p:spPr>
+            <a:xfrm>
+              <a:off x="1448411" y="4543670"/>
+              <a:ext cx="381464" cy="169559"/>
+            </a:xfrm>
+            <a:prstGeom prst="rect">
+              <a:avLst/>
+            </a:prstGeom>
+            <a:noFill/>
+          </p:spPr>
+          <p:txBody>
+            <a:bodyPr lIns="0" rIns="0" tIns="0" bIns="0" anchorCtr="1" anchor="ctr" wrap="none"/>
+            <a:lstStyle/>
+            <a:p>
+              <a:pPr algn="l" marL="0" marR="0" indent="0">
+                <a:lnSpc>
+                  <a:spcPts val="1422"/>
+                </a:lnSpc>
+                <a:spcBef>
+                  <a:spcPts val="0"/>
+                </a:spcBef>
+                <a:spcAft>
+                  <a:spcPts val="0"/>
+                </a:spcAft>
+              </a:pPr>
+              <a:r>
+                <a:rPr sz="1422">
+                  <a:solidFill>
+                    <a:srgbClr val="000000">
+                      <a:alpha val="100000"/>
+                    </a:srgbClr>
+                  </a:solidFill>
+                  <a:latin typeface="Arial"/>
+                  <a:cs typeface="Arial"/>
+                </a:rPr>
+                <a:t>(3%)</a:t>
+              </a:r>
+            </a:p>
+          </p:txBody>
+        </p:sp>
+        <p:sp>
+          <p:nvSpPr>
+            <p:cNvPr id="19" name="tx19"/>
+            <p:cNvSpPr/>
+            <p:nvPr/>
+          </p:nvSpPr>
+          <p:spPr>
+            <a:xfrm>
+              <a:off x="2643309" y="4460630"/>
+              <a:ext cx="100482" cy="129860"/>
+            </a:xfrm>
+            <a:prstGeom prst="rect">
+              <a:avLst/>
+            </a:prstGeom>
+            <a:noFill/>
+          </p:spPr>
+          <p:txBody>
+            <a:bodyPr lIns="0" rIns="0" tIns="0" bIns="0" anchorCtr="1" anchor="ctr" wrap="none"/>
+            <a:lstStyle/>
+            <a:p>
+              <a:pPr algn="l" marL="0" marR="0" indent="0">
+                <a:lnSpc>
+                  <a:spcPts val="1422"/>
+                </a:lnSpc>
+                <a:spcBef>
+                  <a:spcPts val="0"/>
+                </a:spcBef>
+                <a:spcAft>
+                  <a:spcPts val="0"/>
+                </a:spcAft>
+              </a:pPr>
+              <a:r>
+                <a:rPr sz="1422">
+                  <a:solidFill>
+                    <a:srgbClr val="000000">
+                      <a:alpha val="100000"/>
+                    </a:srgbClr>
+                  </a:solidFill>
+                  <a:latin typeface="Arial"/>
+                  <a:cs typeface="Arial"/>
+                </a:rPr>
+                <a:t>1</a:t>
+              </a:r>
+            </a:p>
+          </p:txBody>
+        </p:sp>
+        <p:sp>
+          <p:nvSpPr>
+            <p:cNvPr id="20" name="tx20"/>
+            <p:cNvSpPr/>
+            <p:nvPr/>
+          </p:nvSpPr>
+          <p:spPr>
+            <a:xfrm>
+              <a:off x="2502818" y="4681103"/>
+              <a:ext cx="381464" cy="169559"/>
+            </a:xfrm>
+            <a:prstGeom prst="rect">
+              <a:avLst/>
+            </a:prstGeom>
+            <a:noFill/>
+          </p:spPr>
+          <p:txBody>
+            <a:bodyPr lIns="0" rIns="0" tIns="0" bIns="0" anchorCtr="1" anchor="ctr" wrap="none"/>
+            <a:lstStyle/>
+            <a:p>
+              <a:pPr algn="l" marL="0" marR="0" indent="0">
+                <a:lnSpc>
+                  <a:spcPts val="1422"/>
+                </a:lnSpc>
+                <a:spcBef>
+                  <a:spcPts val="0"/>
+                </a:spcBef>
+                <a:spcAft>
+                  <a:spcPts val="0"/>
+                </a:spcAft>
+              </a:pPr>
+              <a:r>
+                <a:rPr sz="1422">
+                  <a:solidFill>
+                    <a:srgbClr val="000000">
+                      <a:alpha val="100000"/>
+                    </a:srgbClr>
+                  </a:solidFill>
+                  <a:latin typeface="Arial"/>
+                  <a:cs typeface="Arial"/>
+                </a:rPr>
+                <a:t>(1%)</a:t>
+              </a:r>
+            </a:p>
+          </p:txBody>
+        </p:sp>
+        <p:sp>
+          <p:nvSpPr>
+            <p:cNvPr id="21" name="tx21"/>
+            <p:cNvSpPr/>
+            <p:nvPr/>
+          </p:nvSpPr>
+          <p:spPr>
+            <a:xfrm>
+              <a:off x="3647475" y="2717520"/>
               <a:ext cx="200965" cy="132153"/>
             </a:xfrm>
             <a:prstGeom prst="rect">
@@ -2725,13 +2935,13 @@
         </p:sp>
         <p:sp>
           <p:nvSpPr>
-            <p:cNvPr id="17" name="tx17"/>
+            <p:cNvPr id="22" name="tx22"/>
             <p:cNvSpPr/>
             <p:nvPr/>
           </p:nvSpPr>
           <p:spPr>
             <a:xfrm>
-              <a:off x="6398101" y="2905717"/>
+              <a:off x="3506984" y="2940287"/>
               <a:ext cx="481947" cy="169559"/>
             </a:xfrm>
             <a:prstGeom prst="rect">
@@ -2771,13 +2981,13 @@
         </p:sp>
         <p:sp>
           <p:nvSpPr>
-            <p:cNvPr id="18" name="tx18"/>
+            <p:cNvPr id="23" name="tx23"/>
             <p:cNvSpPr/>
             <p:nvPr/>
           </p:nvSpPr>
           <p:spPr>
             <a:xfrm>
-              <a:off x="7763065" y="1557318"/>
+              <a:off x="4701882" y="1572334"/>
               <a:ext cx="200965" cy="132065"/>
             </a:xfrm>
             <a:prstGeom prst="rect">
@@ -2817,13 +3027,13 @@
         </p:sp>
         <p:sp>
           <p:nvSpPr>
-            <p:cNvPr id="19" name="tx19"/>
+            <p:cNvPr id="24" name="tx24"/>
             <p:cNvSpPr/>
             <p:nvPr/>
           </p:nvSpPr>
           <p:spPr>
             <a:xfrm>
-              <a:off x="7622574" y="1779996"/>
+              <a:off x="4561392" y="1795013"/>
               <a:ext cx="481947" cy="169559"/>
             </a:xfrm>
             <a:prstGeom prst="rect">
@@ -2863,13 +3073,13 @@
         </p:sp>
         <p:sp>
           <p:nvSpPr>
-            <p:cNvPr id="20" name="tx20"/>
+            <p:cNvPr id="25" name="tx25"/>
             <p:cNvSpPr/>
             <p:nvPr/>
           </p:nvSpPr>
           <p:spPr>
             <a:xfrm>
-              <a:off x="5314119" y="3225590"/>
+              <a:off x="5756290" y="3269545"/>
               <a:ext cx="200965" cy="129860"/>
             </a:xfrm>
             <a:prstGeom prst="rect">
@@ -2909,13 +3119,13 @@
         </p:sp>
         <p:sp>
           <p:nvSpPr>
-            <p:cNvPr id="21" name="tx21"/>
+            <p:cNvPr id="26" name="tx26"/>
             <p:cNvSpPr/>
             <p:nvPr/>
           </p:nvSpPr>
           <p:spPr>
             <a:xfrm>
-              <a:off x="5173628" y="3446063"/>
+              <a:off x="5615799" y="3490018"/>
               <a:ext cx="481947" cy="169559"/>
             </a:xfrm>
             <a:prstGeom prst="rect">
@@ -2948,20 +3158,20 @@
                   <a:latin typeface="Arial"/>
                   <a:cs typeface="Arial"/>
                 </a:rPr>
-                <a:t>(19%)</a:t>
+                <a:t>(18%)</a:t>
               </a:r>
             </a:p>
           </p:txBody>
         </p:sp>
         <p:sp>
           <p:nvSpPr>
-            <p:cNvPr id="22" name="tx22"/>
+            <p:cNvPr id="27" name="tx27"/>
             <p:cNvSpPr/>
             <p:nvPr/>
           </p:nvSpPr>
           <p:spPr>
             <a:xfrm>
-              <a:off x="2865173" y="3988875"/>
+              <a:off x="6810697" y="4046126"/>
               <a:ext cx="200965" cy="132065"/>
             </a:xfrm>
             <a:prstGeom prst="rect">
@@ -3001,13 +3211,13 @@
         </p:sp>
         <p:sp>
           <p:nvSpPr>
-            <p:cNvPr id="23" name="tx23"/>
+            <p:cNvPr id="28" name="tx28"/>
             <p:cNvSpPr/>
             <p:nvPr/>
           </p:nvSpPr>
           <p:spPr>
             <a:xfrm>
-              <a:off x="2774924" y="4211553"/>
+              <a:off x="6720448" y="4268805"/>
               <a:ext cx="381464" cy="169559"/>
             </a:xfrm>
             <a:prstGeom prst="rect">
@@ -3047,13 +3257,13 @@
         </p:sp>
         <p:sp>
           <p:nvSpPr>
-            <p:cNvPr id="24" name="tx24"/>
+            <p:cNvPr id="29" name="tx29"/>
             <p:cNvSpPr/>
             <p:nvPr/>
           </p:nvSpPr>
           <p:spPr>
             <a:xfrm>
-              <a:off x="4139887" y="4396340"/>
+              <a:off x="7915346" y="4460630"/>
               <a:ext cx="100482" cy="129860"/>
             </a:xfrm>
             <a:prstGeom prst="rect">
@@ -3093,13 +3303,13 @@
         </p:sp>
         <p:sp>
           <p:nvSpPr>
-            <p:cNvPr id="25" name="tx25"/>
+            <p:cNvPr id="30" name="tx30"/>
             <p:cNvSpPr/>
             <p:nvPr/>
           </p:nvSpPr>
           <p:spPr>
             <a:xfrm>
-              <a:off x="3999397" y="4616813"/>
+              <a:off x="7774855" y="4681103"/>
               <a:ext cx="381464" cy="169559"/>
             </a:xfrm>
             <a:prstGeom prst="rect">
@@ -3139,113 +3349,21 @@
         </p:sp>
         <p:sp>
           <p:nvSpPr>
-            <p:cNvPr id="26" name="tx26"/>
-            <p:cNvSpPr/>
-            <p:nvPr/>
-          </p:nvSpPr>
-          <p:spPr>
-            <a:xfrm>
-              <a:off x="1690941" y="4261783"/>
-              <a:ext cx="100482" cy="129330"/>
-            </a:xfrm>
-            <a:prstGeom prst="rect">
-              <a:avLst/>
-            </a:prstGeom>
-            <a:noFill/>
-          </p:spPr>
-          <p:txBody>
-            <a:bodyPr lIns="0" rIns="0" tIns="0" bIns="0" anchorCtr="1" anchor="ctr" wrap="none"/>
-            <a:lstStyle/>
-            <a:p>
-              <a:pPr algn="l" marL="0" marR="0" indent="0">
-                <a:lnSpc>
-                  <a:spcPts val="1422"/>
-                </a:lnSpc>
-                <a:spcBef>
-                  <a:spcPts val="0"/>
-                </a:spcBef>
-                <a:spcAft>
-                  <a:spcPts val="0"/>
-                </a:spcAft>
-              </a:pPr>
-              <a:r>
-                <a:rPr sz="1422">
-                  <a:solidFill>
-                    <a:srgbClr val="000000">
-                      <a:alpha val="100000"/>
-                    </a:srgbClr>
-                  </a:solidFill>
-                  <a:latin typeface="Arial"/>
-                  <a:cs typeface="Arial"/>
-                </a:rPr>
-                <a:t>4</a:t>
-              </a:r>
-            </a:p>
-          </p:txBody>
-        </p:sp>
-        <p:sp>
-          <p:nvSpPr>
-            <p:cNvPr id="27" name="tx27"/>
-            <p:cNvSpPr/>
-            <p:nvPr/>
-          </p:nvSpPr>
-          <p:spPr>
-            <a:xfrm>
-              <a:off x="1550451" y="4481726"/>
-              <a:ext cx="381464" cy="169559"/>
-            </a:xfrm>
-            <a:prstGeom prst="rect">
-              <a:avLst/>
-            </a:prstGeom>
-            <a:noFill/>
-          </p:spPr>
-          <p:txBody>
-            <a:bodyPr lIns="0" rIns="0" tIns="0" bIns="0" anchorCtr="1" anchor="ctr" wrap="none"/>
-            <a:lstStyle/>
-            <a:p>
-              <a:pPr algn="l" marL="0" marR="0" indent="0">
-                <a:lnSpc>
-                  <a:spcPts val="1422"/>
-                </a:lnSpc>
-                <a:spcBef>
-                  <a:spcPts val="0"/>
-                </a:spcBef>
-                <a:spcAft>
-                  <a:spcPts val="0"/>
-                </a:spcAft>
-              </a:pPr>
-              <a:r>
-                <a:rPr sz="1422">
-                  <a:solidFill>
-                    <a:srgbClr val="000000">
-                      <a:alpha val="100000"/>
-                    </a:srgbClr>
-                  </a:solidFill>
-                  <a:latin typeface="Arial"/>
-                  <a:cs typeface="Arial"/>
-                </a:rPr>
-                <a:t>(3%)</a:t>
-              </a:r>
-            </a:p>
-          </p:txBody>
-        </p:sp>
-        <p:sp>
-          <p:nvSpPr>
-            <p:cNvPr id="28" name="pl28"/>
+            <p:cNvPr id="31" name="pl31"/>
             <p:cNvSpPr/>
             <p:nvPr/>
           </p:nvSpPr>
           <p:spPr>
             <a:xfrm>
               <a:off x="1006499" y="1279753"/>
-              <a:ext cx="0" cy="3746399"/>
+              <a:ext cx="0" cy="3811471"/>
             </a:xfrm>
             <a:custGeom>
               <a:avLst/>
               <a:pathLst>
-                <a:path w="0" h="3746399">
+                <a:path w="0" h="3811471">
                   <a:moveTo>
-                    <a:pt x="0" y="3746399"/>
+                    <a:pt x="0" y="3811471"/>
                   </a:moveTo>
                   <a:lnTo>
                     <a:pt x="0" y="0"/>
@@ -3271,13 +3389,13 @@
         </p:sp>
         <p:sp>
           <p:nvSpPr>
-            <p:cNvPr id="29" name="tx29"/>
+            <p:cNvPr id="32" name="tx32"/>
             <p:cNvSpPr/>
             <p:nvPr/>
           </p:nvSpPr>
           <p:spPr>
             <a:xfrm>
-              <a:off x="839500" y="4969300"/>
+              <a:off x="839500" y="5034372"/>
               <a:ext cx="84757" cy="111397"/>
             </a:xfrm>
             <a:prstGeom prst="rect">
@@ -3317,13 +3435,13 @@
         </p:sp>
         <p:sp>
           <p:nvSpPr>
-            <p:cNvPr id="30" name="tx30"/>
+            <p:cNvPr id="33" name="tx33"/>
             <p:cNvSpPr/>
             <p:nvPr/>
           </p:nvSpPr>
           <p:spPr>
             <a:xfrm>
-              <a:off x="754742" y="4316382"/>
+              <a:off x="754742" y="4365532"/>
               <a:ext cx="169515" cy="111397"/>
             </a:xfrm>
             <a:prstGeom prst="rect">
@@ -3363,13 +3481,13 @@
         </p:sp>
         <p:sp>
           <p:nvSpPr>
-            <p:cNvPr id="31" name="tx31"/>
+            <p:cNvPr id="34" name="tx34"/>
             <p:cNvSpPr/>
             <p:nvPr/>
           </p:nvSpPr>
           <p:spPr>
             <a:xfrm>
-              <a:off x="754742" y="3663464"/>
+              <a:off x="754742" y="3696693"/>
               <a:ext cx="169515" cy="111397"/>
             </a:xfrm>
             <a:prstGeom prst="rect">
@@ -3409,13 +3527,13 @@
         </p:sp>
         <p:sp>
           <p:nvSpPr>
-            <p:cNvPr id="32" name="tx32"/>
+            <p:cNvPr id="35" name="tx35"/>
             <p:cNvSpPr/>
             <p:nvPr/>
           </p:nvSpPr>
           <p:spPr>
             <a:xfrm>
-              <a:off x="754742" y="3010471"/>
+              <a:off x="754742" y="3027778"/>
               <a:ext cx="169515" cy="111472"/>
             </a:xfrm>
             <a:prstGeom prst="rect">
@@ -3455,13 +3573,13 @@
         </p:sp>
         <p:sp>
           <p:nvSpPr>
-            <p:cNvPr id="33" name="tx33"/>
+            <p:cNvPr id="36" name="tx36"/>
             <p:cNvSpPr/>
             <p:nvPr/>
           </p:nvSpPr>
           <p:spPr>
             <a:xfrm>
-              <a:off x="754742" y="2357628"/>
+              <a:off x="754742" y="2359013"/>
               <a:ext cx="169515" cy="111397"/>
             </a:xfrm>
             <a:prstGeom prst="rect">
@@ -3501,13 +3619,13 @@
         </p:sp>
         <p:sp>
           <p:nvSpPr>
-            <p:cNvPr id="34" name="tx34"/>
+            <p:cNvPr id="37" name="tx37"/>
             <p:cNvSpPr/>
             <p:nvPr/>
           </p:nvSpPr>
           <p:spPr>
             <a:xfrm>
-              <a:off x="754742" y="1704709"/>
+              <a:off x="754742" y="1690173"/>
               <a:ext cx="169515" cy="111397"/>
             </a:xfrm>
             <a:prstGeom prst="rect">
@@ -3547,13 +3665,13 @@
         </p:sp>
         <p:sp>
           <p:nvSpPr>
-            <p:cNvPr id="35" name="pl35"/>
+            <p:cNvPr id="38" name="pl38"/>
             <p:cNvSpPr/>
             <p:nvPr/>
           </p:nvSpPr>
           <p:spPr>
             <a:xfrm>
-              <a:off x="962215" y="5026152"/>
+              <a:off x="962215" y="5091225"/>
               <a:ext cx="44283" cy="0"/>
             </a:xfrm>
             <a:custGeom>
@@ -3587,13 +3705,13 @@
         </p:sp>
         <p:sp>
           <p:nvSpPr>
-            <p:cNvPr id="36" name="pl36"/>
+            <p:cNvPr id="39" name="pl39"/>
             <p:cNvSpPr/>
             <p:nvPr/>
           </p:nvSpPr>
           <p:spPr>
             <a:xfrm>
-              <a:off x="962215" y="4373234"/>
+              <a:off x="962215" y="4422385"/>
               <a:ext cx="44283" cy="0"/>
             </a:xfrm>
             <a:custGeom>
@@ -3627,13 +3745,13 @@
         </p:sp>
         <p:sp>
           <p:nvSpPr>
-            <p:cNvPr id="37" name="pl37"/>
+            <p:cNvPr id="40" name="pl40"/>
             <p:cNvSpPr/>
             <p:nvPr/>
           </p:nvSpPr>
           <p:spPr>
             <a:xfrm>
-              <a:off x="962215" y="3720316"/>
+              <a:off x="962215" y="3753545"/>
               <a:ext cx="44283" cy="0"/>
             </a:xfrm>
             <a:custGeom>
@@ -3667,13 +3785,13 @@
         </p:sp>
         <p:sp>
           <p:nvSpPr>
-            <p:cNvPr id="38" name="pl38"/>
+            <p:cNvPr id="41" name="pl41"/>
             <p:cNvSpPr/>
             <p:nvPr/>
           </p:nvSpPr>
           <p:spPr>
             <a:xfrm>
-              <a:off x="962215" y="3067398"/>
+              <a:off x="962215" y="3084705"/>
               <a:ext cx="44283" cy="0"/>
             </a:xfrm>
             <a:custGeom>
@@ -3707,13 +3825,13 @@
         </p:sp>
         <p:sp>
           <p:nvSpPr>
-            <p:cNvPr id="39" name="pl39"/>
+            <p:cNvPr id="42" name="pl42"/>
             <p:cNvSpPr/>
             <p:nvPr/>
           </p:nvSpPr>
           <p:spPr>
             <a:xfrm>
-              <a:off x="962215" y="2414480"/>
+              <a:off x="962215" y="2415865"/>
               <a:ext cx="44283" cy="0"/>
             </a:xfrm>
             <a:custGeom>
@@ -3747,13 +3865,13 @@
         </p:sp>
         <p:sp>
           <p:nvSpPr>
-            <p:cNvPr id="40" name="pl40"/>
+            <p:cNvPr id="43" name="pl43"/>
             <p:cNvSpPr/>
             <p:nvPr/>
           </p:nvSpPr>
           <p:spPr>
             <a:xfrm>
-              <a:off x="962215" y="1761562"/>
+              <a:off x="962215" y="1747025"/>
               <a:ext cx="44283" cy="0"/>
             </a:xfrm>
             <a:custGeom>
@@ -3787,13 +3905,13 @@
         </p:sp>
         <p:sp>
           <p:nvSpPr>
-            <p:cNvPr id="41" name="pl41"/>
+            <p:cNvPr id="44" name="pl44"/>
             <p:cNvSpPr/>
             <p:nvPr/>
           </p:nvSpPr>
           <p:spPr>
             <a:xfrm>
-              <a:off x="1006499" y="5026152"/>
+              <a:off x="1006499" y="5091225"/>
               <a:ext cx="7591732" cy="0"/>
             </a:xfrm>
             <a:custGeom>
@@ -3827,13 +3945,13 @@
         </p:sp>
         <p:sp>
           <p:nvSpPr>
-            <p:cNvPr id="42" name="pl42"/>
+            <p:cNvPr id="45" name="pl45"/>
             <p:cNvSpPr/>
             <p:nvPr/>
           </p:nvSpPr>
           <p:spPr>
             <a:xfrm>
-              <a:off x="1741183" y="5026152"/>
+              <a:off x="1639143" y="5091225"/>
               <a:ext cx="0" cy="44283"/>
             </a:xfrm>
             <a:custGeom>
@@ -3867,13 +3985,13 @@
         </p:sp>
         <p:sp>
           <p:nvSpPr>
-            <p:cNvPr id="43" name="pl43"/>
+            <p:cNvPr id="46" name="pl46"/>
             <p:cNvSpPr/>
             <p:nvPr/>
           </p:nvSpPr>
           <p:spPr>
             <a:xfrm>
-              <a:off x="2965656" y="5026152"/>
+              <a:off x="2693551" y="5091225"/>
               <a:ext cx="0" cy="44283"/>
             </a:xfrm>
             <a:custGeom>
@@ -3907,13 +4025,13 @@
         </p:sp>
         <p:sp>
           <p:nvSpPr>
-            <p:cNvPr id="44" name="pl44"/>
+            <p:cNvPr id="47" name="pl47"/>
             <p:cNvSpPr/>
             <p:nvPr/>
           </p:nvSpPr>
           <p:spPr>
             <a:xfrm>
-              <a:off x="4190129" y="5026152"/>
+              <a:off x="3747958" y="5091225"/>
               <a:ext cx="0" cy="44283"/>
             </a:xfrm>
             <a:custGeom>
@@ -3947,13 +4065,13 @@
         </p:sp>
         <p:sp>
           <p:nvSpPr>
-            <p:cNvPr id="45" name="pl45"/>
+            <p:cNvPr id="48" name="pl48"/>
             <p:cNvSpPr/>
             <p:nvPr/>
           </p:nvSpPr>
           <p:spPr>
             <a:xfrm>
-              <a:off x="5414602" y="5026152"/>
+              <a:off x="4802365" y="5091225"/>
               <a:ext cx="0" cy="44283"/>
             </a:xfrm>
             <a:custGeom>
@@ -3987,13 +4105,13 @@
         </p:sp>
         <p:sp>
           <p:nvSpPr>
-            <p:cNvPr id="46" name="pl46"/>
+            <p:cNvPr id="49" name="pl49"/>
             <p:cNvSpPr/>
             <p:nvPr/>
           </p:nvSpPr>
           <p:spPr>
             <a:xfrm>
-              <a:off x="6639075" y="5026152"/>
+              <a:off x="5856773" y="5091225"/>
               <a:ext cx="0" cy="44283"/>
             </a:xfrm>
             <a:custGeom>
@@ -4027,13 +4145,13 @@
         </p:sp>
         <p:sp>
           <p:nvSpPr>
-            <p:cNvPr id="47" name="pl47"/>
+            <p:cNvPr id="50" name="pl50"/>
             <p:cNvSpPr/>
             <p:nvPr/>
           </p:nvSpPr>
           <p:spPr>
             <a:xfrm>
-              <a:off x="7863548" y="5026152"/>
+              <a:off x="6911180" y="5091225"/>
               <a:ext cx="0" cy="44283"/>
             </a:xfrm>
             <a:custGeom>
@@ -4067,14 +4185,54 @@
         </p:sp>
         <p:sp>
           <p:nvSpPr>
-            <p:cNvPr id="48" name="tx48"/>
+            <p:cNvPr id="51" name="pl51"/>
+            <p:cNvSpPr/>
+            <p:nvPr/>
+          </p:nvSpPr>
+          <p:spPr>
+            <a:xfrm>
+              <a:off x="7965587" y="5091225"/>
+              <a:ext cx="0" cy="44283"/>
+            </a:xfrm>
+            <a:custGeom>
+              <a:avLst/>
+              <a:pathLst>
+                <a:path w="0" h="44283">
+                  <a:moveTo>
+                    <a:pt x="0" y="44283"/>
+                  </a:moveTo>
+                  <a:lnTo>
+                    <a:pt x="0" y="0"/>
+                  </a:lnTo>
+                </a:path>
+              </a:pathLst>
+            </a:custGeom>
+            <a:ln w="13550" cap="flat">
+              <a:solidFill>
+                <a:srgbClr val="000000">
+                  <a:alpha val="100000"/>
+                </a:srgbClr>
+              </a:solidFill>
+              <a:prstDash val="solid"/>
+              <a:round/>
+            </a:ln>
+          </p:spPr>
+          <p:txBody>
+            <a:bodyPr/>
+            <a:lstStyle/>
+            <a:p/>
+          </p:txBody>
+        </p:sp>
+        <p:sp>
+          <p:nvSpPr>
+            <p:cNvPr id="52" name="tx52"/>
             <p:cNvSpPr/>
             <p:nvPr/>
           </p:nvSpPr>
           <p:spPr>
             <a:xfrm rot="-2700000">
-              <a:off x="937488" y="5411009"/>
-              <a:ext cx="974228" cy="139377"/>
+              <a:off x="986976" y="5441817"/>
+              <a:ext cx="808508" cy="110876"/>
             </a:xfrm>
             <a:prstGeom prst="rect">
               <a:avLst/>
@@ -4106,21 +4264,21 @@
                   <a:latin typeface="Arial"/>
                   <a:cs typeface="Arial"/>
                 </a:rPr>
-                <a:t>Je ne sais pas</a:t>
+                <a:t>I don't know</a:t>
               </a:r>
             </a:p>
           </p:txBody>
         </p:sp>
         <p:sp>
           <p:nvSpPr>
-            <p:cNvPr id="49" name="tx49"/>
+            <p:cNvPr id="53" name="tx53"/>
             <p:cNvSpPr/>
             <p:nvPr/>
           </p:nvSpPr>
           <p:spPr>
             <a:xfrm rot="-2700000">
-              <a:off x="1933712" y="5514259"/>
-              <a:ext cx="1245244" cy="130671"/>
+              <a:off x="1897033" y="5473108"/>
+              <a:ext cx="965820" cy="139377"/>
             </a:xfrm>
             <a:prstGeom prst="rect">
               <a:avLst/>
@@ -4152,21 +4310,21 @@
                   <a:latin typeface="Arial"/>
                   <a:cs typeface="Arial"/>
                 </a:rPr>
-                <a:t>Non, certainement</a:t>
+                <a:t>Not applicable</a:t>
               </a:r>
             </a:p>
           </p:txBody>
         </p:sp>
         <p:sp>
           <p:nvSpPr>
-            <p:cNvPr id="50" name="tx50"/>
+            <p:cNvPr id="54" name="tx54"/>
             <p:cNvSpPr/>
             <p:nvPr/>
           </p:nvSpPr>
           <p:spPr>
             <a:xfrm rot="-2700000">
-              <a:off x="2910168" y="5293961"/>
-              <a:ext cx="245715" cy="111100"/>
+              <a:off x="2944165" y="5484828"/>
+              <a:ext cx="977949" cy="130671"/>
             </a:xfrm>
             <a:prstGeom prst="rect">
               <a:avLst/>
@@ -4198,21 +4356,21 @@
                   <a:latin typeface="Arial"/>
                   <a:cs typeface="Arial"/>
                 </a:rPr>
-                <a:t>pas</a:t>
+                <a:t>No, but I didn't</a:t>
               </a:r>
             </a:p>
           </p:txBody>
         </p:sp>
         <p:sp>
           <p:nvSpPr>
-            <p:cNvPr id="51" name="tx51"/>
+            <p:cNvPr id="55" name="tx55"/>
             <p:cNvSpPr/>
             <p:nvPr/>
           </p:nvSpPr>
           <p:spPr>
             <a:xfrm rot="-2700000">
-              <a:off x="3313584" y="5439398"/>
-              <a:ext cx="1058837" cy="141163"/>
+              <a:off x="2788647" y="5733632"/>
+              <a:ext cx="1304701" cy="110876"/>
             </a:xfrm>
             <a:prstGeom prst="rect">
               <a:avLst/>
@@ -4244,21 +4402,21 @@
                   <a:latin typeface="Arial"/>
                   <a:cs typeface="Arial"/>
                 </a:rPr>
-                <a:t>Non, mais je ne</a:t>
+                <a:t>want to be involved</a:t>
               </a:r>
             </a:p>
           </p:txBody>
         </p:sp>
         <p:sp>
           <p:nvSpPr>
-            <p:cNvPr id="52" name="tx52"/>
+            <p:cNvPr id="56" name="tx56"/>
             <p:cNvSpPr/>
             <p:nvPr/>
           </p:nvSpPr>
           <p:spPr>
             <a:xfrm rot="-2700000">
-              <a:off x="3433245" y="5584711"/>
-              <a:ext cx="1067544" cy="110876"/>
+              <a:off x="3859995" y="5529876"/>
+              <a:ext cx="1135186" cy="143023"/>
             </a:xfrm>
             <a:prstGeom prst="rect">
               <a:avLst/>
@@ -4290,21 +4448,21 @@
                   <a:latin typeface="Arial"/>
                   <a:cs typeface="Arial"/>
                 </a:rPr>
-                <a:t>voulais de toute</a:t>
+                <a:t>No, definitely not</a:t>
               </a:r>
             </a:p>
           </p:txBody>
         </p:sp>
         <p:sp>
           <p:nvSpPr>
-            <p:cNvPr id="53" name="tx53"/>
+            <p:cNvPr id="57" name="tx57"/>
             <p:cNvSpPr/>
             <p:nvPr/>
           </p:nvSpPr>
           <p:spPr>
             <a:xfrm rot="-2700000">
-              <a:off x="3625722" y="5639216"/>
-              <a:ext cx="965820" cy="141237"/>
+              <a:off x="5117614" y="5447563"/>
+              <a:ext cx="897880" cy="141163"/>
             </a:xfrm>
             <a:prstGeom prst="rect">
               <a:avLst/>
@@ -4336,21 +4494,21 @@
                   <a:latin typeface="Arial"/>
                   <a:cs typeface="Arial"/>
                 </a:rPr>
-                <a:t>façon pas être</a:t>
+                <a:t>No, not really</a:t>
               </a:r>
             </a:p>
           </p:txBody>
         </p:sp>
         <p:sp>
           <p:nvSpPr>
-            <p:cNvPr id="54" name="tx54"/>
+            <p:cNvPr id="58" name="tx58"/>
             <p:cNvSpPr/>
             <p:nvPr/>
           </p:nvSpPr>
           <p:spPr>
             <a:xfrm rot="-2700000">
-              <a:off x="3922433" y="5679120"/>
-              <a:ext cx="753814" cy="143023"/>
+              <a:off x="5792473" y="5615270"/>
+              <a:ext cx="1346894" cy="130671"/>
             </a:xfrm>
             <a:prstGeom prst="rect">
               <a:avLst/>
@@ -4382,21 +4540,21 @@
                   <a:latin typeface="Arial"/>
                   <a:cs typeface="Arial"/>
                 </a:rPr>
-                <a:t>impliqué(e)</a:t>
+                <a:t>Yes, to some extent</a:t>
               </a:r>
             </a:p>
           </p:txBody>
         </p:sp>
         <p:sp>
           <p:nvSpPr>
-            <p:cNvPr id="55" name="tx55"/>
+            <p:cNvPr id="59" name="tx59"/>
             <p:cNvSpPr/>
             <p:nvPr/>
           </p:nvSpPr>
           <p:spPr>
             <a:xfrm rot="-2700000">
-              <a:off x="4386885" y="5503802"/>
-              <a:ext cx="1236687" cy="139377"/>
+              <a:off x="7182326" y="5463971"/>
+              <a:ext cx="948779" cy="143023"/>
             </a:xfrm>
             <a:prstGeom prst="rect">
               <a:avLst/>
@@ -4428,158 +4586,20 @@
                   <a:latin typeface="Arial"/>
                   <a:cs typeface="Arial"/>
                 </a:rPr>
-                <a:t>Non, pas vraiment</a:t>
+                <a:t>Yes, definitely</a:t>
               </a:r>
             </a:p>
           </p:txBody>
         </p:sp>
         <p:sp>
           <p:nvSpPr>
-            <p:cNvPr id="56" name="tx56"/>
-            <p:cNvSpPr/>
-            <p:nvPr/>
-          </p:nvSpPr>
-          <p:spPr>
-            <a:xfrm rot="-2700000">
-              <a:off x="5642652" y="5497611"/>
-              <a:ext cx="1202828" cy="132605"/>
-            </a:xfrm>
-            <a:prstGeom prst="rect">
-              <a:avLst/>
-            </a:prstGeom>
-            <a:noFill/>
-          </p:spPr>
-          <p:txBody>
-            <a:bodyPr lIns="0" rIns="0" tIns="0" bIns="0" anchorCtr="1" anchor="ctr" wrap="none"/>
-            <a:lstStyle/>
-            <a:p>
-              <a:pPr algn="l" marL="0" marR="0" indent="0">
-                <a:lnSpc>
-                  <a:spcPts val="1200"/>
-                </a:lnSpc>
-                <a:spcBef>
-                  <a:spcPts val="0"/>
-                </a:spcBef>
-                <a:spcAft>
-                  <a:spcPts val="0"/>
-                </a:spcAft>
-              </a:pPr>
-              <a:r>
-                <a:rPr sz="1200">
-                  <a:solidFill>
-                    <a:srgbClr val="000000">
-                      <a:alpha val="100000"/>
-                    </a:srgbClr>
-                  </a:solidFill>
-                  <a:latin typeface="Arial"/>
-                  <a:cs typeface="Arial"/>
-                </a:rPr>
-                <a:t>Oui, certainement</a:t>
-              </a:r>
-            </a:p>
-          </p:txBody>
-        </p:sp>
-        <p:sp>
-          <p:nvSpPr>
-            <p:cNvPr id="57" name="tx57"/>
-            <p:cNvSpPr/>
-            <p:nvPr/>
-          </p:nvSpPr>
-          <p:spPr>
-            <a:xfrm rot="-2700000">
-              <a:off x="7083843" y="5407843"/>
-              <a:ext cx="948928" cy="132605"/>
-            </a:xfrm>
-            <a:prstGeom prst="rect">
-              <a:avLst/>
-            </a:prstGeom>
-            <a:noFill/>
-          </p:spPr>
-          <p:txBody>
-            <a:bodyPr lIns="0" rIns="0" tIns="0" bIns="0" anchorCtr="1" anchor="ctr" wrap="none"/>
-            <a:lstStyle/>
-            <a:p>
-              <a:pPr algn="l" marL="0" marR="0" indent="0">
-                <a:lnSpc>
-                  <a:spcPts val="1200"/>
-                </a:lnSpc>
-                <a:spcBef>
-                  <a:spcPts val="0"/>
-                </a:spcBef>
-                <a:spcAft>
-                  <a:spcPts val="0"/>
-                </a:spcAft>
-              </a:pPr>
-              <a:r>
-                <a:rPr sz="1200">
-                  <a:solidFill>
-                    <a:srgbClr val="000000">
-                      <a:alpha val="100000"/>
-                    </a:srgbClr>
-                  </a:solidFill>
-                  <a:latin typeface="Arial"/>
-                  <a:cs typeface="Arial"/>
-                </a:rPr>
-                <a:t>Oui, dans une</a:t>
-              </a:r>
-            </a:p>
-          </p:txBody>
-        </p:sp>
-        <p:sp>
-          <p:nvSpPr>
-            <p:cNvPr id="58" name="tx58"/>
-            <p:cNvSpPr/>
-            <p:nvPr/>
-          </p:nvSpPr>
-          <p:spPr>
-            <a:xfrm rot="-2700000">
-              <a:off x="7085196" y="5593604"/>
-              <a:ext cx="1092696" cy="110876"/>
-            </a:xfrm>
-            <a:prstGeom prst="rect">
-              <a:avLst/>
-            </a:prstGeom>
-            <a:noFill/>
-          </p:spPr>
-          <p:txBody>
-            <a:bodyPr lIns="0" rIns="0" tIns="0" bIns="0" anchorCtr="1" anchor="ctr" wrap="none"/>
-            <a:lstStyle/>
-            <a:p>
-              <a:pPr algn="l" marL="0" marR="0" indent="0">
-                <a:lnSpc>
-                  <a:spcPts val="1200"/>
-                </a:lnSpc>
-                <a:spcBef>
-                  <a:spcPts val="0"/>
-                </a:spcBef>
-                <a:spcAft>
-                  <a:spcPts val="0"/>
-                </a:spcAft>
-              </a:pPr>
-              <a:r>
-                <a:rPr sz="1200">
-                  <a:solidFill>
-                    <a:srgbClr val="000000">
-                      <a:alpha val="100000"/>
-                    </a:srgbClr>
-                  </a:solidFill>
-                  <a:latin typeface="Arial"/>
-                  <a:cs typeface="Arial"/>
-                </a:rPr>
-                <a:t>certaine mesure</a:t>
-              </a:r>
-            </a:p>
-          </p:txBody>
-        </p:sp>
-        <p:sp>
-          <p:nvSpPr>
-            <p:cNvPr id="59" name="tx59"/>
+            <p:cNvPr id="60" name="tx60"/>
             <p:cNvSpPr/>
             <p:nvPr/>
           </p:nvSpPr>
           <p:spPr>
             <a:xfrm rot="-5400000">
-              <a:off x="-160440" y="3070564"/>
+              <a:off x="-160440" y="3103100"/>
               <a:ext cx="1502184" cy="164777"/>
             </a:xfrm>
             <a:prstGeom prst="rect">
@@ -4619,7 +4639,7 @@
         </p:sp>
         <p:sp>
           <p:nvSpPr>
-            <p:cNvPr id="60" name="tx60"/>
+            <p:cNvPr id="61" name="tx61"/>
             <p:cNvSpPr/>
             <p:nvPr/>
           </p:nvSpPr>
@@ -4658,7 +4678,7 @@
                   <a:latin typeface="Arial"/>
                   <a:cs typeface="Arial"/>
                 </a:rPr>
-                <a:t>Level of involvement in treatment choice (N=145).</a:t>
+                <a:t>Level of involvement in treatment choice (N=146).</a:t>
               </a:r>
             </a:p>
           </p:txBody>

--- a/results/figures/pptx/treatment_choice_involvement.pptx
+++ b/results/figures/pptx/treatment_choice_involvement.pptx
@@ -2314,7 +2314,7 @@
           </p:nvSpPr>
           <p:spPr>
             <a:xfrm>
-              <a:off x="1006499" y="4422385"/>
+              <a:off x="1006499" y="4441696"/>
               <a:ext cx="7591732" cy="0"/>
             </a:xfrm>
             <a:custGeom>
@@ -2357,7 +2357,7 @@
           </p:nvSpPr>
           <p:spPr>
             <a:xfrm>
-              <a:off x="1006499" y="3753545"/>
+              <a:off x="1006499" y="3792167"/>
               <a:ext cx="7591732" cy="0"/>
             </a:xfrm>
             <a:custGeom>
@@ -2400,7 +2400,7 @@
           </p:nvSpPr>
           <p:spPr>
             <a:xfrm>
-              <a:off x="1006499" y="3084705"/>
+              <a:off x="1006499" y="3142638"/>
               <a:ext cx="7591732" cy="0"/>
             </a:xfrm>
             <a:custGeom>
@@ -2443,7 +2443,7 @@
           </p:nvSpPr>
           <p:spPr>
             <a:xfrm>
-              <a:off x="1006499" y="2415865"/>
+              <a:off x="1006499" y="2493109"/>
               <a:ext cx="7591732" cy="0"/>
             </a:xfrm>
             <a:custGeom>
@@ -2486,7 +2486,7 @@
           </p:nvSpPr>
           <p:spPr>
             <a:xfrm>
-              <a:off x="1006499" y="1747025"/>
+              <a:off x="1006499" y="1843580"/>
               <a:ext cx="7591732" cy="0"/>
             </a:xfrm>
             <a:custGeom>
@@ -2529,8 +2529,8 @@
           </p:nvSpPr>
           <p:spPr>
             <a:xfrm>
-              <a:off x="1164660" y="4907981"/>
-              <a:ext cx="948966" cy="183243"/>
+              <a:off x="1164660" y="4820588"/>
+              <a:ext cx="948966" cy="270637"/>
             </a:xfrm>
             <a:prstGeom prst="rect">
               <a:avLst/>
@@ -2555,8 +2555,8 @@
           </p:nvSpPr>
           <p:spPr>
             <a:xfrm>
-              <a:off x="2219067" y="5045414"/>
-              <a:ext cx="948966" cy="45810"/>
+              <a:off x="2219067" y="5046119"/>
+              <a:ext cx="948966" cy="45106"/>
             </a:xfrm>
             <a:prstGeom prst="rect">
               <a:avLst/>
@@ -2581,8 +2581,8 @@
           </p:nvSpPr>
           <p:spPr>
             <a:xfrm>
-              <a:off x="3273475" y="3304597"/>
-              <a:ext cx="948966" cy="1786627"/>
+              <a:off x="3273475" y="3512509"/>
+              <a:ext cx="948966" cy="1578716"/>
             </a:xfrm>
             <a:prstGeom prst="rect">
               <a:avLst/>
@@ -2633,8 +2633,8 @@
           </p:nvSpPr>
           <p:spPr>
             <a:xfrm>
-              <a:off x="5382289" y="3854329"/>
-              <a:ext cx="948966" cy="1236895"/>
+              <a:off x="5382289" y="3918464"/>
+              <a:ext cx="948966" cy="1172760"/>
             </a:xfrm>
             <a:prstGeom prst="rect">
               <a:avLst/>
@@ -2659,8 +2659,8 @@
           </p:nvSpPr>
           <p:spPr>
             <a:xfrm>
-              <a:off x="6436697" y="4633115"/>
-              <a:ext cx="948966" cy="458109"/>
+              <a:off x="6436697" y="4640163"/>
+              <a:ext cx="948966" cy="451061"/>
             </a:xfrm>
             <a:prstGeom prst="rect">
               <a:avLst/>
@@ -2685,8 +2685,8 @@
           </p:nvSpPr>
           <p:spPr>
             <a:xfrm>
-              <a:off x="7491104" y="5045414"/>
-              <a:ext cx="948966" cy="45810"/>
+              <a:off x="7491104" y="5046119"/>
+              <a:ext cx="948966" cy="45106"/>
             </a:xfrm>
             <a:prstGeom prst="rect">
               <a:avLst/>
@@ -2711,8 +2711,8 @@
           </p:nvSpPr>
           <p:spPr>
             <a:xfrm>
-              <a:off x="1588902" y="4323727"/>
-              <a:ext cx="100482" cy="129330"/>
+              <a:off x="1588902" y="4233599"/>
+              <a:ext cx="100482" cy="132065"/>
             </a:xfrm>
             <a:prstGeom prst="rect">
               <a:avLst/>
@@ -2744,7 +2744,7 @@
                   <a:latin typeface="Arial"/>
                   <a:cs typeface="Arial"/>
                 </a:rPr>
-                <a:t>4</a:t>
+                <a:t>6</a:t>
               </a:r>
             </a:p>
           </p:txBody>
@@ -2757,7 +2757,7 @@
           </p:nvSpPr>
           <p:spPr>
             <a:xfrm>
-              <a:off x="1448411" y="4543670"/>
+              <a:off x="1448411" y="4456277"/>
               <a:ext cx="381464" cy="169559"/>
             </a:xfrm>
             <a:prstGeom prst="rect">
@@ -2790,7 +2790,7 @@
                   <a:latin typeface="Arial"/>
                   <a:cs typeface="Arial"/>
                 </a:rPr>
-                <a:t>(3%)</a:t>
+                <a:t>(4%)</a:t>
               </a:r>
             </a:p>
           </p:txBody>
@@ -2803,7 +2803,7 @@
           </p:nvSpPr>
           <p:spPr>
             <a:xfrm>
-              <a:off x="2643309" y="4460630"/>
+              <a:off x="2643309" y="4461335"/>
               <a:ext cx="100482" cy="129860"/>
             </a:xfrm>
             <a:prstGeom prst="rect">
@@ -2849,7 +2849,7 @@
           </p:nvSpPr>
           <p:spPr>
             <a:xfrm>
-              <a:off x="2502818" y="4681103"/>
+              <a:off x="2502818" y="4681808"/>
               <a:ext cx="381464" cy="169559"/>
             </a:xfrm>
             <a:prstGeom prst="rect">
@@ -2895,7 +2895,7 @@
           </p:nvSpPr>
           <p:spPr>
             <a:xfrm>
-              <a:off x="3647475" y="2717520"/>
+              <a:off x="3647475" y="2925431"/>
               <a:ext cx="200965" cy="132153"/>
             </a:xfrm>
             <a:prstGeom prst="rect">
@@ -2928,7 +2928,7 @@
                   <a:latin typeface="Arial"/>
                   <a:cs typeface="Arial"/>
                 </a:rPr>
-                <a:t>39</a:t>
+                <a:t>35</a:t>
               </a:r>
             </a:p>
           </p:txBody>
@@ -2941,7 +2941,7 @@
           </p:nvSpPr>
           <p:spPr>
             <a:xfrm>
-              <a:off x="3506984" y="2940287"/>
+              <a:off x="3506984" y="3148198"/>
               <a:ext cx="481947" cy="169559"/>
             </a:xfrm>
             <a:prstGeom prst="rect">
@@ -2974,7 +2974,7 @@
                   <a:latin typeface="Arial"/>
                   <a:cs typeface="Arial"/>
                 </a:rPr>
-                <a:t>(27%)</a:t>
+                <a:t>(24%)</a:t>
               </a:r>
             </a:p>
           </p:txBody>
@@ -3020,7 +3020,7 @@
                   <a:latin typeface="Arial"/>
                   <a:cs typeface="Arial"/>
                 </a:rPr>
-                <a:t>64</a:t>
+                <a:t>65</a:t>
               </a:r>
             </a:p>
           </p:txBody>
@@ -3066,7 +3066,7 @@
                   <a:latin typeface="Arial"/>
                   <a:cs typeface="Arial"/>
                 </a:rPr>
-                <a:t>(44%)</a:t>
+                <a:t>(45%)</a:t>
               </a:r>
             </a:p>
           </p:txBody>
@@ -3079,8 +3079,8 @@
           </p:nvSpPr>
           <p:spPr>
             <a:xfrm>
-              <a:off x="5756290" y="3269545"/>
-              <a:ext cx="200965" cy="129860"/>
+              <a:off x="5756290" y="3331475"/>
+              <a:ext cx="200965" cy="132065"/>
             </a:xfrm>
             <a:prstGeom prst="rect">
               <a:avLst/>
@@ -3112,7 +3112,7 @@
                   <a:latin typeface="Arial"/>
                   <a:cs typeface="Arial"/>
                 </a:rPr>
-                <a:t>27</a:t>
+                <a:t>26</a:t>
               </a:r>
             </a:p>
           </p:txBody>
@@ -3125,7 +3125,7 @@
           </p:nvSpPr>
           <p:spPr>
             <a:xfrm>
-              <a:off x="5615799" y="3490018"/>
+              <a:off x="5615799" y="3554154"/>
               <a:ext cx="481947" cy="169559"/>
             </a:xfrm>
             <a:prstGeom prst="rect">
@@ -3171,7 +3171,7 @@
           </p:nvSpPr>
           <p:spPr>
             <a:xfrm>
-              <a:off x="6810697" y="4046126"/>
+              <a:off x="6810697" y="4053174"/>
               <a:ext cx="200965" cy="132065"/>
             </a:xfrm>
             <a:prstGeom prst="rect">
@@ -3217,7 +3217,7 @@
           </p:nvSpPr>
           <p:spPr>
             <a:xfrm>
-              <a:off x="6720448" y="4268805"/>
+              <a:off x="6720448" y="4275852"/>
               <a:ext cx="381464" cy="169559"/>
             </a:xfrm>
             <a:prstGeom prst="rect">
@@ -3263,7 +3263,7 @@
           </p:nvSpPr>
           <p:spPr>
             <a:xfrm>
-              <a:off x="7915346" y="4460630"/>
+              <a:off x="7915346" y="4461335"/>
               <a:ext cx="100482" cy="129860"/>
             </a:xfrm>
             <a:prstGeom prst="rect">
@@ -3309,7 +3309,7 @@
           </p:nvSpPr>
           <p:spPr>
             <a:xfrm>
-              <a:off x="7774855" y="4681103"/>
+              <a:off x="7774855" y="4681808"/>
               <a:ext cx="381464" cy="169559"/>
             </a:xfrm>
             <a:prstGeom prst="rect">
@@ -3441,7 +3441,7 @@
           </p:nvSpPr>
           <p:spPr>
             <a:xfrm>
-              <a:off x="754742" y="4365532"/>
+              <a:off x="754742" y="4384844"/>
               <a:ext cx="169515" cy="111397"/>
             </a:xfrm>
             <a:prstGeom prst="rect">
@@ -3487,7 +3487,7 @@
           </p:nvSpPr>
           <p:spPr>
             <a:xfrm>
-              <a:off x="754742" y="3696693"/>
+              <a:off x="754742" y="3735315"/>
               <a:ext cx="169515" cy="111397"/>
             </a:xfrm>
             <a:prstGeom prst="rect">
@@ -3533,7 +3533,7 @@
           </p:nvSpPr>
           <p:spPr>
             <a:xfrm>
-              <a:off x="754742" y="3027778"/>
+              <a:off x="754742" y="3085711"/>
               <a:ext cx="169515" cy="111472"/>
             </a:xfrm>
             <a:prstGeom prst="rect">
@@ -3579,7 +3579,7 @@
           </p:nvSpPr>
           <p:spPr>
             <a:xfrm>
-              <a:off x="754742" y="2359013"/>
+              <a:off x="754742" y="2436257"/>
               <a:ext cx="169515" cy="111397"/>
             </a:xfrm>
             <a:prstGeom prst="rect">
@@ -3625,7 +3625,7 @@
           </p:nvSpPr>
           <p:spPr>
             <a:xfrm>
-              <a:off x="754742" y="1690173"/>
+              <a:off x="754742" y="1786728"/>
               <a:ext cx="169515" cy="111397"/>
             </a:xfrm>
             <a:prstGeom prst="rect">
@@ -3711,7 +3711,7 @@
           </p:nvSpPr>
           <p:spPr>
             <a:xfrm>
-              <a:off x="962215" y="4422385"/>
+              <a:off x="962215" y="4441696"/>
               <a:ext cx="44283" cy="0"/>
             </a:xfrm>
             <a:custGeom>
@@ -3751,7 +3751,7 @@
           </p:nvSpPr>
           <p:spPr>
             <a:xfrm>
-              <a:off x="962215" y="3753545"/>
+              <a:off x="962215" y="3792167"/>
               <a:ext cx="44283" cy="0"/>
             </a:xfrm>
             <a:custGeom>
@@ -3791,7 +3791,7 @@
           </p:nvSpPr>
           <p:spPr>
             <a:xfrm>
-              <a:off x="962215" y="3084705"/>
+              <a:off x="962215" y="3142638"/>
               <a:ext cx="44283" cy="0"/>
             </a:xfrm>
             <a:custGeom>
@@ -3831,7 +3831,7 @@
           </p:nvSpPr>
           <p:spPr>
             <a:xfrm>
-              <a:off x="962215" y="2415865"/>
+              <a:off x="962215" y="2493109"/>
               <a:ext cx="44283" cy="0"/>
             </a:xfrm>
             <a:custGeom>
@@ -3871,7 +3871,7 @@
           </p:nvSpPr>
           <p:spPr>
             <a:xfrm>
-              <a:off x="962215" y="1747025"/>
+              <a:off x="962215" y="1843580"/>
               <a:ext cx="44283" cy="0"/>
             </a:xfrm>
             <a:custGeom>
@@ -4678,7 +4678,7 @@
                   <a:latin typeface="Arial"/>
                   <a:cs typeface="Arial"/>
                 </a:rPr>
-                <a:t>Level of involvement in treatment choice (N=146).</a:t>
+                <a:t>Level of involvement in treatment choice (N=144).</a:t>
               </a:r>
             </a:p>
           </p:txBody>
